--- a/NoobCoin.pptx
+++ b/NoobCoin.pptx
@@ -5,7 +5,15 @@
     <p:sldMasterId id="2147483648" r:id="rId1"/>
   </p:sldMasterIdLst>
   <p:sldIdLst>
-    <p:sldId id="256" r:id="rId2"/>
+    <p:sldId id="264" r:id="rId2"/>
+    <p:sldId id="256" r:id="rId3"/>
+    <p:sldId id="263" r:id="rId4"/>
+    <p:sldId id="257" r:id="rId5"/>
+    <p:sldId id="258" r:id="rId6"/>
+    <p:sldId id="259" r:id="rId7"/>
+    <p:sldId id="260" r:id="rId8"/>
+    <p:sldId id="261" r:id="rId9"/>
+    <p:sldId id="262" r:id="rId10"/>
   </p:sldIdLst>
   <p:sldSz cx="12192000" cy="6858000"/>
   <p:notesSz cx="6858000" cy="9144000"/>
@@ -104,6 +112,11 @@
       </a:defRPr>
     </a:lvl9pPr>
   </p:defaultTextStyle>
+  <p:extLst>
+    <p:ext uri="{EFAFB233-063F-42B5-8137-9DF3F51BA10A}">
+      <p15:sldGuideLst xmlns:p15="http://schemas.microsoft.com/office/powerpoint/2012/main"/>
+    </p:ext>
+  </p:extLst>
 </p:presentation>
 </file>
 
@@ -3321,10 +3334,1011 @@
           <a:chExt cx="0" cy="0"/>
         </a:xfrm>
       </p:grpSpPr>
+      <p:pic>
+        <p:nvPicPr>
+          <p:cNvPr id="5" name="Imagem 4">
+            <a:extLst>
+              <a:ext uri="{FF2B5EF4-FFF2-40B4-BE49-F238E27FC236}">
+                <a16:creationId xmlns:a16="http://schemas.microsoft.com/office/drawing/2014/main" id="{D33A13DA-DA12-4B9B-9795-4B0D619CB431}"/>
+              </a:ext>
+            </a:extLst>
+          </p:cNvPr>
+          <p:cNvPicPr>
+            <a:picLocks noChangeAspect="1"/>
+          </p:cNvPicPr>
+          <p:nvPr/>
+        </p:nvPicPr>
+        <p:blipFill>
+          <a:blip r:embed="rId2">
+            <a:extLst>
+              <a:ext uri="{28A0092B-C50C-407E-A947-70E740481C1C}">
+                <a14:useLocalDpi xmlns:a14="http://schemas.microsoft.com/office/drawing/2010/main" val="0"/>
+              </a:ext>
+            </a:extLst>
+          </a:blip>
+          <a:stretch>
+            <a:fillRect/>
+          </a:stretch>
+        </p:blipFill>
+        <p:spPr>
+          <a:xfrm>
+            <a:off x="3427639" y="1988857"/>
+            <a:ext cx="5336722" cy="1329971"/>
+          </a:xfrm>
+          <a:prstGeom prst="rect">
+            <a:avLst/>
+          </a:prstGeom>
+        </p:spPr>
+      </p:pic>
+      <p:sp>
+        <p:nvSpPr>
+          <p:cNvPr id="6" name="CaixaDeTexto 5">
+            <a:extLst>
+              <a:ext uri="{FF2B5EF4-FFF2-40B4-BE49-F238E27FC236}">
+                <a16:creationId xmlns:a16="http://schemas.microsoft.com/office/drawing/2014/main" id="{D786CD67-6ADA-43AB-B3E4-905304B8C322}"/>
+              </a:ext>
+            </a:extLst>
+          </p:cNvPr>
+          <p:cNvSpPr txBox="1"/>
+          <p:nvPr/>
+        </p:nvSpPr>
+        <p:spPr>
+          <a:xfrm>
+            <a:off x="4144161" y="3892492"/>
+            <a:ext cx="4899171" cy="1200329"/>
+          </a:xfrm>
+          <a:prstGeom prst="rect">
+            <a:avLst/>
+          </a:prstGeom>
+          <a:noFill/>
+        </p:spPr>
+        <p:txBody>
+          <a:bodyPr wrap="square" rtlCol="0">
+            <a:spAutoFit/>
+          </a:bodyPr>
+          <a:lstStyle/>
+          <a:p>
+            <a:r>
+              <a:rPr lang="pt-BR" dirty="0"/>
+              <a:t>Python</a:t>
+            </a:r>
+          </a:p>
+          <a:p>
+            <a:r>
+              <a:rPr lang="pt-BR" dirty="0"/>
+              <a:t>Django</a:t>
+            </a:r>
+          </a:p>
+          <a:p>
+            <a:r>
+              <a:rPr lang="pt-BR" dirty="0"/>
+              <a:t>PostgreSQL</a:t>
+            </a:r>
+          </a:p>
+          <a:p>
+            <a:r>
+              <a:rPr lang="pt-BR" dirty="0"/>
+              <a:t>Bootstrap</a:t>
+            </a:r>
+          </a:p>
+        </p:txBody>
+      </p:sp>
+    </p:spTree>
+    <p:extLst>
+      <p:ext uri="{BB962C8B-B14F-4D97-AF65-F5344CB8AC3E}">
+        <p14:creationId xmlns:p14="http://schemas.microsoft.com/office/powerpoint/2010/main" val="1533297280"/>
+      </p:ext>
+    </p:extLst>
+  </p:cSld>
+  <p:clrMapOvr>
+    <a:masterClrMapping/>
+  </p:clrMapOvr>
+</p:sld>
+</file>
+
+<file path=ppt/slides/slide2.xml><?xml version="1.0" encoding="utf-8"?>
+<p:sld xmlns:a="http://schemas.openxmlformats.org/drawingml/2006/main" xmlns:r="http://schemas.openxmlformats.org/officeDocument/2006/relationships" xmlns:p="http://schemas.openxmlformats.org/presentationml/2006/main">
+  <p:cSld>
+    <p:spTree>
+      <p:nvGrpSpPr>
+        <p:cNvPr id="1" name=""/>
+        <p:cNvGrpSpPr/>
+        <p:nvPr/>
+      </p:nvGrpSpPr>
+      <p:grpSpPr>
+        <a:xfrm>
+          <a:off x="0" y="0"/>
+          <a:ext cx="0" cy="0"/>
+          <a:chOff x="0" y="0"/>
+          <a:chExt cx="0" cy="0"/>
+        </a:xfrm>
+      </p:grpSpPr>
+      <p:sp>
+        <p:nvSpPr>
+          <p:cNvPr id="4" name="CaixaDeTexto 3">
+            <a:extLst>
+              <a:ext uri="{FF2B5EF4-FFF2-40B4-BE49-F238E27FC236}">
+                <a16:creationId xmlns:a16="http://schemas.microsoft.com/office/drawing/2014/main" id="{9E960B4B-5C6F-45C0-8B91-9D4844054CCF}"/>
+              </a:ext>
+            </a:extLst>
+          </p:cNvPr>
+          <p:cNvSpPr txBox="1"/>
+          <p:nvPr/>
+        </p:nvSpPr>
+        <p:spPr>
+          <a:xfrm>
+            <a:off x="2799127" y="444509"/>
+            <a:ext cx="6593746" cy="369332"/>
+          </a:xfrm>
+          <a:prstGeom prst="rect">
+            <a:avLst/>
+          </a:prstGeom>
+          <a:noFill/>
+        </p:spPr>
+        <p:txBody>
+          <a:bodyPr wrap="square" rtlCol="0">
+            <a:spAutoFit/>
+          </a:bodyPr>
+          <a:lstStyle/>
+          <a:p>
+            <a:r>
+              <a:rPr lang="pt-BR" b="1" dirty="0">
+                <a:solidFill>
+                  <a:srgbClr val="FF0000"/>
+                </a:solidFill>
+              </a:rPr>
+              <a:t>Tela de apresentação com as cripto moedas publicadas atualmente </a:t>
+            </a:r>
+          </a:p>
+        </p:txBody>
+      </p:sp>
+      <p:pic>
+        <p:nvPicPr>
+          <p:cNvPr id="6" name="Imagem 5">
+            <a:extLst>
+              <a:ext uri="{FF2B5EF4-FFF2-40B4-BE49-F238E27FC236}">
+                <a16:creationId xmlns:a16="http://schemas.microsoft.com/office/drawing/2014/main" id="{82853F3D-B1B5-447B-8B3D-E4A18F24D49D}"/>
+              </a:ext>
+            </a:extLst>
+          </p:cNvPr>
+          <p:cNvPicPr>
+            <a:picLocks noChangeAspect="1"/>
+          </p:cNvPicPr>
+          <p:nvPr/>
+        </p:nvPicPr>
+        <p:blipFill>
+          <a:blip r:embed="rId2"/>
+          <a:stretch>
+            <a:fillRect/>
+          </a:stretch>
+        </p:blipFill>
+        <p:spPr>
+          <a:xfrm>
+            <a:off x="2169165" y="813841"/>
+            <a:ext cx="7853670" cy="5909904"/>
+          </a:xfrm>
+          <a:prstGeom prst="rect">
+            <a:avLst/>
+          </a:prstGeom>
+        </p:spPr>
+      </p:pic>
     </p:spTree>
     <p:extLst>
       <p:ext uri="{BB962C8B-B14F-4D97-AF65-F5344CB8AC3E}">
         <p14:creationId xmlns:p14="http://schemas.microsoft.com/office/powerpoint/2010/main" val="1911855666"/>
+      </p:ext>
+    </p:extLst>
+  </p:cSld>
+  <p:clrMapOvr>
+    <a:masterClrMapping/>
+  </p:clrMapOvr>
+</p:sld>
+</file>
+
+<file path=ppt/slides/slide3.xml><?xml version="1.0" encoding="utf-8"?>
+<p:sld xmlns:a="http://schemas.openxmlformats.org/drawingml/2006/main" xmlns:r="http://schemas.openxmlformats.org/officeDocument/2006/relationships" xmlns:p="http://schemas.openxmlformats.org/presentationml/2006/main">
+  <p:cSld>
+    <p:spTree>
+      <p:nvGrpSpPr>
+        <p:cNvPr id="1" name=""/>
+        <p:cNvGrpSpPr/>
+        <p:nvPr/>
+      </p:nvGrpSpPr>
+      <p:grpSpPr>
+        <a:xfrm>
+          <a:off x="0" y="0"/>
+          <a:ext cx="0" cy="0"/>
+          <a:chOff x="0" y="0"/>
+          <a:chExt cx="0" cy="0"/>
+        </a:xfrm>
+      </p:grpSpPr>
+      <p:pic>
+        <p:nvPicPr>
+          <p:cNvPr id="5" name="Imagem 4">
+            <a:extLst>
+              <a:ext uri="{FF2B5EF4-FFF2-40B4-BE49-F238E27FC236}">
+                <a16:creationId xmlns:a16="http://schemas.microsoft.com/office/drawing/2014/main" id="{C4E03117-18D1-4662-8CF1-3B002A3D8464}"/>
+              </a:ext>
+            </a:extLst>
+          </p:cNvPr>
+          <p:cNvPicPr>
+            <a:picLocks noChangeAspect="1"/>
+          </p:cNvPicPr>
+          <p:nvPr/>
+        </p:nvPicPr>
+        <p:blipFill>
+          <a:blip r:embed="rId2"/>
+          <a:stretch>
+            <a:fillRect/>
+          </a:stretch>
+        </p:blipFill>
+        <p:spPr>
+          <a:xfrm>
+            <a:off x="2438060" y="1279781"/>
+            <a:ext cx="7315880" cy="4736746"/>
+          </a:xfrm>
+          <a:prstGeom prst="rect">
+            <a:avLst/>
+          </a:prstGeom>
+        </p:spPr>
+      </p:pic>
+      <p:sp>
+        <p:nvSpPr>
+          <p:cNvPr id="6" name="CaixaDeTexto 5">
+            <a:extLst>
+              <a:ext uri="{FF2B5EF4-FFF2-40B4-BE49-F238E27FC236}">
+                <a16:creationId xmlns:a16="http://schemas.microsoft.com/office/drawing/2014/main" id="{35616C6A-5C20-4271-B59E-1106C30DD0B3}"/>
+              </a:ext>
+            </a:extLst>
+          </p:cNvPr>
+          <p:cNvSpPr txBox="1"/>
+          <p:nvPr/>
+        </p:nvSpPr>
+        <p:spPr>
+          <a:xfrm>
+            <a:off x="2799127" y="763290"/>
+            <a:ext cx="6593746" cy="369332"/>
+          </a:xfrm>
+          <a:prstGeom prst="rect">
+            <a:avLst/>
+          </a:prstGeom>
+          <a:noFill/>
+        </p:spPr>
+        <p:txBody>
+          <a:bodyPr wrap="square" rtlCol="0">
+            <a:spAutoFit/>
+          </a:bodyPr>
+          <a:lstStyle/>
+          <a:p>
+            <a:r>
+              <a:rPr lang="pt-BR" b="1" dirty="0">
+                <a:solidFill>
+                  <a:srgbClr val="FF0000"/>
+                </a:solidFill>
+              </a:rPr>
+              <a:t>Funcionalidade para o </a:t>
+            </a:r>
+            <a:r>
+              <a:rPr lang="pt-BR" b="1" dirty="0" err="1">
+                <a:solidFill>
+                  <a:srgbClr val="FF0000"/>
+                </a:solidFill>
+              </a:rPr>
+              <a:t>usário</a:t>
+            </a:r>
+            <a:r>
+              <a:rPr lang="pt-BR" b="1" dirty="0">
+                <a:solidFill>
+                  <a:srgbClr val="FF0000"/>
+                </a:solidFill>
+              </a:rPr>
+              <a:t> se cadastrar no sistema </a:t>
+            </a:r>
+            <a:r>
+              <a:rPr lang="pt-BR" b="1" dirty="0" err="1">
+                <a:solidFill>
+                  <a:srgbClr val="FF0000"/>
+                </a:solidFill>
+              </a:rPr>
+              <a:t>NoobCoin</a:t>
+            </a:r>
+            <a:endParaRPr lang="pt-BR" b="1" dirty="0">
+              <a:solidFill>
+                <a:srgbClr val="FF0000"/>
+              </a:solidFill>
+            </a:endParaRPr>
+          </a:p>
+        </p:txBody>
+      </p:sp>
+    </p:spTree>
+    <p:extLst>
+      <p:ext uri="{BB962C8B-B14F-4D97-AF65-F5344CB8AC3E}">
+        <p14:creationId xmlns:p14="http://schemas.microsoft.com/office/powerpoint/2010/main" val="1407803510"/>
+      </p:ext>
+    </p:extLst>
+  </p:cSld>
+  <p:clrMapOvr>
+    <a:masterClrMapping/>
+  </p:clrMapOvr>
+</p:sld>
+</file>
+
+<file path=ppt/slides/slide4.xml><?xml version="1.0" encoding="utf-8"?>
+<p:sld xmlns:a="http://schemas.openxmlformats.org/drawingml/2006/main" xmlns:r="http://schemas.openxmlformats.org/officeDocument/2006/relationships" xmlns:p="http://schemas.openxmlformats.org/presentationml/2006/main">
+  <p:cSld>
+    <p:spTree>
+      <p:nvGrpSpPr>
+        <p:cNvPr id="1" name=""/>
+        <p:cNvGrpSpPr/>
+        <p:nvPr/>
+      </p:nvGrpSpPr>
+      <p:grpSpPr>
+        <a:xfrm>
+          <a:off x="0" y="0"/>
+          <a:ext cx="0" cy="0"/>
+          <a:chOff x="0" y="0"/>
+          <a:chExt cx="0" cy="0"/>
+        </a:xfrm>
+      </p:grpSpPr>
+      <p:pic>
+        <p:nvPicPr>
+          <p:cNvPr id="5" name="Imagem 4">
+            <a:extLst>
+              <a:ext uri="{FF2B5EF4-FFF2-40B4-BE49-F238E27FC236}">
+                <a16:creationId xmlns:a16="http://schemas.microsoft.com/office/drawing/2014/main" id="{FA0E788F-F78D-4603-939B-9AD1FF249E53}"/>
+              </a:ext>
+            </a:extLst>
+          </p:cNvPr>
+          <p:cNvPicPr>
+            <a:picLocks noChangeAspect="1"/>
+          </p:cNvPicPr>
+          <p:nvPr/>
+        </p:nvPicPr>
+        <p:blipFill>
+          <a:blip r:embed="rId2"/>
+          <a:stretch>
+            <a:fillRect/>
+          </a:stretch>
+        </p:blipFill>
+        <p:spPr>
+          <a:xfrm>
+            <a:off x="1544422" y="666413"/>
+            <a:ext cx="9103155" cy="5697542"/>
+          </a:xfrm>
+          <a:prstGeom prst="rect">
+            <a:avLst/>
+          </a:prstGeom>
+        </p:spPr>
+      </p:pic>
+      <p:sp>
+        <p:nvSpPr>
+          <p:cNvPr id="6" name="CaixaDeTexto 5">
+            <a:extLst>
+              <a:ext uri="{FF2B5EF4-FFF2-40B4-BE49-F238E27FC236}">
+                <a16:creationId xmlns:a16="http://schemas.microsoft.com/office/drawing/2014/main" id="{ED0DABAE-F5C2-4AC0-9314-9E8E2C9F68E4}"/>
+              </a:ext>
+            </a:extLst>
+          </p:cNvPr>
+          <p:cNvSpPr txBox="1"/>
+          <p:nvPr/>
+        </p:nvSpPr>
+        <p:spPr>
+          <a:xfrm>
+            <a:off x="2799127" y="444509"/>
+            <a:ext cx="6593746" cy="369332"/>
+          </a:xfrm>
+          <a:prstGeom prst="rect">
+            <a:avLst/>
+          </a:prstGeom>
+          <a:noFill/>
+        </p:spPr>
+        <p:txBody>
+          <a:bodyPr wrap="square" rtlCol="0">
+            <a:spAutoFit/>
+          </a:bodyPr>
+          <a:lstStyle/>
+          <a:p>
+            <a:r>
+              <a:rPr lang="pt-BR" b="1" dirty="0">
+                <a:solidFill>
+                  <a:srgbClr val="FF0000"/>
+                </a:solidFill>
+              </a:rPr>
+              <a:t>Funcionalidade para realizar o Login no sistema</a:t>
+            </a:r>
+          </a:p>
+        </p:txBody>
+      </p:sp>
+    </p:spTree>
+    <p:extLst>
+      <p:ext uri="{BB962C8B-B14F-4D97-AF65-F5344CB8AC3E}">
+        <p14:creationId xmlns:p14="http://schemas.microsoft.com/office/powerpoint/2010/main" val="3710865804"/>
+      </p:ext>
+    </p:extLst>
+  </p:cSld>
+  <p:clrMapOvr>
+    <a:masterClrMapping/>
+  </p:clrMapOvr>
+</p:sld>
+</file>
+
+<file path=ppt/slides/slide5.xml><?xml version="1.0" encoding="utf-8"?>
+<p:sld xmlns:a="http://schemas.openxmlformats.org/drawingml/2006/main" xmlns:r="http://schemas.openxmlformats.org/officeDocument/2006/relationships" xmlns:p="http://schemas.openxmlformats.org/presentationml/2006/main">
+  <p:cSld>
+    <p:spTree>
+      <p:nvGrpSpPr>
+        <p:cNvPr id="1" name=""/>
+        <p:cNvGrpSpPr/>
+        <p:nvPr/>
+      </p:nvGrpSpPr>
+      <p:grpSpPr>
+        <a:xfrm>
+          <a:off x="0" y="0"/>
+          <a:ext cx="0" cy="0"/>
+          <a:chOff x="0" y="0"/>
+          <a:chExt cx="0" cy="0"/>
+        </a:xfrm>
+      </p:grpSpPr>
+      <p:pic>
+        <p:nvPicPr>
+          <p:cNvPr id="5" name="Imagem 4">
+            <a:extLst>
+              <a:ext uri="{FF2B5EF4-FFF2-40B4-BE49-F238E27FC236}">
+                <a16:creationId xmlns:a16="http://schemas.microsoft.com/office/drawing/2014/main" id="{3E6E047F-33EB-4FA1-8ABF-9745540C77E8}"/>
+              </a:ext>
+            </a:extLst>
+          </p:cNvPr>
+          <p:cNvPicPr>
+            <a:picLocks noChangeAspect="1"/>
+          </p:cNvPicPr>
+          <p:nvPr/>
+        </p:nvPicPr>
+        <p:blipFill>
+          <a:blip r:embed="rId2"/>
+          <a:stretch>
+            <a:fillRect/>
+          </a:stretch>
+        </p:blipFill>
+        <p:spPr>
+          <a:xfrm>
+            <a:off x="2116983" y="1484852"/>
+            <a:ext cx="7958031" cy="4876616"/>
+          </a:xfrm>
+          <a:prstGeom prst="rect">
+            <a:avLst/>
+          </a:prstGeom>
+        </p:spPr>
+      </p:pic>
+      <p:sp>
+        <p:nvSpPr>
+          <p:cNvPr id="6" name="CaixaDeTexto 5">
+            <a:extLst>
+              <a:ext uri="{FF2B5EF4-FFF2-40B4-BE49-F238E27FC236}">
+                <a16:creationId xmlns:a16="http://schemas.microsoft.com/office/drawing/2014/main" id="{7745B71D-F360-494A-9EC1-9467077ABDA2}"/>
+              </a:ext>
+            </a:extLst>
+          </p:cNvPr>
+          <p:cNvSpPr txBox="1"/>
+          <p:nvPr/>
+        </p:nvSpPr>
+        <p:spPr>
+          <a:xfrm>
+            <a:off x="2306971" y="496532"/>
+            <a:ext cx="7578056" cy="1200329"/>
+          </a:xfrm>
+          <a:prstGeom prst="rect">
+            <a:avLst/>
+          </a:prstGeom>
+          <a:noFill/>
+        </p:spPr>
+        <p:txBody>
+          <a:bodyPr wrap="square" rtlCol="0">
+            <a:spAutoFit/>
+          </a:bodyPr>
+          <a:lstStyle/>
+          <a:p>
+            <a:r>
+              <a:rPr lang="pt-BR" b="1" dirty="0">
+                <a:solidFill>
+                  <a:srgbClr val="FF0000"/>
+                </a:solidFill>
+              </a:rPr>
+              <a:t>Após tela de login, é apresentado o dashboard com as cripto moedas incluídas pelo usuário, com opção para deletar e atualizar o registro.</a:t>
+            </a:r>
+          </a:p>
+          <a:p>
+            <a:r>
+              <a:rPr lang="pt-BR" b="1" dirty="0">
+                <a:solidFill>
+                  <a:srgbClr val="FF0000"/>
+                </a:solidFill>
+              </a:rPr>
+              <a:t>Funcionalidade também pode ser acessada pelo atalho ‘My </a:t>
+            </a:r>
+            <a:r>
+              <a:rPr lang="pt-BR" b="1" dirty="0" err="1">
+                <a:solidFill>
+                  <a:srgbClr val="FF0000"/>
+                </a:solidFill>
+              </a:rPr>
+              <a:t>Coins</a:t>
+            </a:r>
+            <a:r>
+              <a:rPr lang="pt-BR" b="1" dirty="0">
+                <a:solidFill>
+                  <a:srgbClr val="FF0000"/>
+                </a:solidFill>
+              </a:rPr>
+              <a:t>’</a:t>
+            </a:r>
+          </a:p>
+          <a:p>
+            <a:endParaRPr lang="pt-BR" b="1" dirty="0">
+              <a:solidFill>
+                <a:srgbClr val="FF0000"/>
+              </a:solidFill>
+            </a:endParaRPr>
+          </a:p>
+        </p:txBody>
+      </p:sp>
+    </p:spTree>
+    <p:extLst>
+      <p:ext uri="{BB962C8B-B14F-4D97-AF65-F5344CB8AC3E}">
+        <p14:creationId xmlns:p14="http://schemas.microsoft.com/office/powerpoint/2010/main" val="2030430059"/>
+      </p:ext>
+    </p:extLst>
+  </p:cSld>
+  <p:clrMapOvr>
+    <a:masterClrMapping/>
+  </p:clrMapOvr>
+</p:sld>
+</file>
+
+<file path=ppt/slides/slide6.xml><?xml version="1.0" encoding="utf-8"?>
+<p:sld xmlns:a="http://schemas.openxmlformats.org/drawingml/2006/main" xmlns:r="http://schemas.openxmlformats.org/officeDocument/2006/relationships" xmlns:p="http://schemas.openxmlformats.org/presentationml/2006/main">
+  <p:cSld>
+    <p:spTree>
+      <p:nvGrpSpPr>
+        <p:cNvPr id="1" name=""/>
+        <p:cNvGrpSpPr/>
+        <p:nvPr/>
+      </p:nvGrpSpPr>
+      <p:grpSpPr>
+        <a:xfrm>
+          <a:off x="0" y="0"/>
+          <a:ext cx="0" cy="0"/>
+          <a:chOff x="0" y="0"/>
+          <a:chExt cx="0" cy="0"/>
+        </a:xfrm>
+      </p:grpSpPr>
+      <p:pic>
+        <p:nvPicPr>
+          <p:cNvPr id="5" name="Imagem 4">
+            <a:extLst>
+              <a:ext uri="{FF2B5EF4-FFF2-40B4-BE49-F238E27FC236}">
+                <a16:creationId xmlns:a16="http://schemas.microsoft.com/office/drawing/2014/main" id="{957EE003-013B-4B13-8399-0FCE215D60D1}"/>
+              </a:ext>
+            </a:extLst>
+          </p:cNvPr>
+          <p:cNvPicPr>
+            <a:picLocks noChangeAspect="1"/>
+          </p:cNvPicPr>
+          <p:nvPr/>
+        </p:nvPicPr>
+        <p:blipFill>
+          <a:blip r:embed="rId2"/>
+          <a:stretch>
+            <a:fillRect/>
+          </a:stretch>
+        </p:blipFill>
+        <p:spPr>
+          <a:xfrm>
+            <a:off x="3254927" y="910005"/>
+            <a:ext cx="5273187" cy="5795411"/>
+          </a:xfrm>
+          <a:prstGeom prst="rect">
+            <a:avLst/>
+          </a:prstGeom>
+        </p:spPr>
+      </p:pic>
+      <p:sp>
+        <p:nvSpPr>
+          <p:cNvPr id="6" name="CaixaDeTexto 5">
+            <a:extLst>
+              <a:ext uri="{FF2B5EF4-FFF2-40B4-BE49-F238E27FC236}">
+                <a16:creationId xmlns:a16="http://schemas.microsoft.com/office/drawing/2014/main" id="{B0AF9DCA-BA98-43B7-8E10-AA3120D03CF0}"/>
+              </a:ext>
+            </a:extLst>
+          </p:cNvPr>
+          <p:cNvSpPr txBox="1"/>
+          <p:nvPr/>
+        </p:nvSpPr>
+        <p:spPr>
+          <a:xfrm>
+            <a:off x="2306972" y="265256"/>
+            <a:ext cx="7578056" cy="646331"/>
+          </a:xfrm>
+          <a:prstGeom prst="rect">
+            <a:avLst/>
+          </a:prstGeom>
+          <a:noFill/>
+        </p:spPr>
+        <p:txBody>
+          <a:bodyPr wrap="square" rtlCol="0">
+            <a:spAutoFit/>
+          </a:bodyPr>
+          <a:lstStyle/>
+          <a:p>
+            <a:r>
+              <a:rPr lang="pt-BR" b="1" dirty="0">
+                <a:solidFill>
+                  <a:srgbClr val="FF0000"/>
+                </a:solidFill>
+              </a:rPr>
+              <a:t>Ao selecionar um registro, é exibido os dados gravados no banco de dados</a:t>
+            </a:r>
+          </a:p>
+          <a:p>
+            <a:endParaRPr lang="pt-BR" b="1" dirty="0">
+              <a:solidFill>
+                <a:srgbClr val="FF0000"/>
+              </a:solidFill>
+            </a:endParaRPr>
+          </a:p>
+        </p:txBody>
+      </p:sp>
+    </p:spTree>
+    <p:extLst>
+      <p:ext uri="{BB962C8B-B14F-4D97-AF65-F5344CB8AC3E}">
+        <p14:creationId xmlns:p14="http://schemas.microsoft.com/office/powerpoint/2010/main" val="1102334552"/>
+      </p:ext>
+    </p:extLst>
+  </p:cSld>
+  <p:clrMapOvr>
+    <a:masterClrMapping/>
+  </p:clrMapOvr>
+</p:sld>
+</file>
+
+<file path=ppt/slides/slide7.xml><?xml version="1.0" encoding="utf-8"?>
+<p:sld xmlns:a="http://schemas.openxmlformats.org/drawingml/2006/main" xmlns:r="http://schemas.openxmlformats.org/officeDocument/2006/relationships" xmlns:p="http://schemas.openxmlformats.org/presentationml/2006/main">
+  <p:cSld>
+    <p:spTree>
+      <p:nvGrpSpPr>
+        <p:cNvPr id="1" name=""/>
+        <p:cNvGrpSpPr/>
+        <p:nvPr/>
+      </p:nvGrpSpPr>
+      <p:grpSpPr>
+        <a:xfrm>
+          <a:off x="0" y="0"/>
+          <a:ext cx="0" cy="0"/>
+          <a:chOff x="0" y="0"/>
+          <a:chExt cx="0" cy="0"/>
+        </a:xfrm>
+      </p:grpSpPr>
+      <p:pic>
+        <p:nvPicPr>
+          <p:cNvPr id="5" name="Imagem 4">
+            <a:extLst>
+              <a:ext uri="{FF2B5EF4-FFF2-40B4-BE49-F238E27FC236}">
+                <a16:creationId xmlns:a16="http://schemas.microsoft.com/office/drawing/2014/main" id="{7F25F684-04E5-44FF-84E5-553F12144502}"/>
+              </a:ext>
+            </a:extLst>
+          </p:cNvPr>
+          <p:cNvPicPr>
+            <a:picLocks noChangeAspect="1"/>
+          </p:cNvPicPr>
+          <p:nvPr/>
+        </p:nvPicPr>
+        <p:blipFill>
+          <a:blip r:embed="rId2"/>
+          <a:stretch>
+            <a:fillRect/>
+          </a:stretch>
+        </p:blipFill>
+        <p:spPr>
+          <a:xfrm>
+            <a:off x="2659309" y="741361"/>
+            <a:ext cx="6508827" cy="5806245"/>
+          </a:xfrm>
+          <a:prstGeom prst="rect">
+            <a:avLst/>
+          </a:prstGeom>
+        </p:spPr>
+      </p:pic>
+      <p:sp>
+        <p:nvSpPr>
+          <p:cNvPr id="6" name="CaixaDeTexto 5">
+            <a:extLst>
+              <a:ext uri="{FF2B5EF4-FFF2-40B4-BE49-F238E27FC236}">
+                <a16:creationId xmlns:a16="http://schemas.microsoft.com/office/drawing/2014/main" id="{1BEDAFB6-02BD-4B19-B158-B8FEC1FDE718}"/>
+              </a:ext>
+            </a:extLst>
+          </p:cNvPr>
+          <p:cNvSpPr txBox="1"/>
+          <p:nvPr/>
+        </p:nvSpPr>
+        <p:spPr>
+          <a:xfrm>
+            <a:off x="2306972" y="265256"/>
+            <a:ext cx="7578056" cy="646331"/>
+          </a:xfrm>
+          <a:prstGeom prst="rect">
+            <a:avLst/>
+          </a:prstGeom>
+          <a:noFill/>
+        </p:spPr>
+        <p:txBody>
+          <a:bodyPr wrap="square" rtlCol="0">
+            <a:spAutoFit/>
+          </a:bodyPr>
+          <a:lstStyle/>
+          <a:p>
+            <a:r>
+              <a:rPr lang="pt-BR" b="1" dirty="0">
+                <a:solidFill>
+                  <a:srgbClr val="FF0000"/>
+                </a:solidFill>
+              </a:rPr>
+              <a:t>Funcionalidade para inserir o registro de uma nova cripto moeda</a:t>
+            </a:r>
+          </a:p>
+          <a:p>
+            <a:endParaRPr lang="pt-BR" b="1" dirty="0">
+              <a:solidFill>
+                <a:srgbClr val="FF0000"/>
+              </a:solidFill>
+            </a:endParaRPr>
+          </a:p>
+        </p:txBody>
+      </p:sp>
+    </p:spTree>
+    <p:extLst>
+      <p:ext uri="{BB962C8B-B14F-4D97-AF65-F5344CB8AC3E}">
+        <p14:creationId xmlns:p14="http://schemas.microsoft.com/office/powerpoint/2010/main" val="1090076139"/>
+      </p:ext>
+    </p:extLst>
+  </p:cSld>
+  <p:clrMapOvr>
+    <a:masterClrMapping/>
+  </p:clrMapOvr>
+</p:sld>
+</file>
+
+<file path=ppt/slides/slide8.xml><?xml version="1.0" encoding="utf-8"?>
+<p:sld xmlns:a="http://schemas.openxmlformats.org/drawingml/2006/main" xmlns:r="http://schemas.openxmlformats.org/officeDocument/2006/relationships" xmlns:p="http://schemas.openxmlformats.org/presentationml/2006/main">
+  <p:cSld>
+    <p:spTree>
+      <p:nvGrpSpPr>
+        <p:cNvPr id="1" name=""/>
+        <p:cNvGrpSpPr/>
+        <p:nvPr/>
+      </p:nvGrpSpPr>
+      <p:grpSpPr>
+        <a:xfrm>
+          <a:off x="0" y="0"/>
+          <a:ext cx="0" cy="0"/>
+          <a:chOff x="0" y="0"/>
+          <a:chExt cx="0" cy="0"/>
+        </a:xfrm>
+      </p:grpSpPr>
+      <p:sp>
+        <p:nvSpPr>
+          <p:cNvPr id="6" name="CaixaDeTexto 5">
+            <a:extLst>
+              <a:ext uri="{FF2B5EF4-FFF2-40B4-BE49-F238E27FC236}">
+                <a16:creationId xmlns:a16="http://schemas.microsoft.com/office/drawing/2014/main" id="{F56E24CD-025C-44DC-B6C3-AAAD33CD76B5}"/>
+              </a:ext>
+            </a:extLst>
+          </p:cNvPr>
+          <p:cNvSpPr txBox="1"/>
+          <p:nvPr/>
+        </p:nvSpPr>
+        <p:spPr>
+          <a:xfrm>
+            <a:off x="981511" y="712880"/>
+            <a:ext cx="7578056" cy="646331"/>
+          </a:xfrm>
+          <a:prstGeom prst="rect">
+            <a:avLst/>
+          </a:prstGeom>
+          <a:noFill/>
+        </p:spPr>
+        <p:txBody>
+          <a:bodyPr wrap="square" rtlCol="0">
+            <a:spAutoFit/>
+          </a:bodyPr>
+          <a:lstStyle/>
+          <a:p>
+            <a:r>
+              <a:rPr lang="pt-BR" b="1" dirty="0">
+                <a:solidFill>
+                  <a:srgbClr val="FF0000"/>
+                </a:solidFill>
+              </a:rPr>
+              <a:t>Acessando a funcionalidade de busca e a exibição dos resultados</a:t>
+            </a:r>
+          </a:p>
+          <a:p>
+            <a:endParaRPr lang="pt-BR" b="1" dirty="0">
+              <a:solidFill>
+                <a:srgbClr val="FF0000"/>
+              </a:solidFill>
+            </a:endParaRPr>
+          </a:p>
+        </p:txBody>
+      </p:sp>
+      <p:pic>
+        <p:nvPicPr>
+          <p:cNvPr id="8" name="Imagem 7">
+            <a:extLst>
+              <a:ext uri="{FF2B5EF4-FFF2-40B4-BE49-F238E27FC236}">
+                <a16:creationId xmlns:a16="http://schemas.microsoft.com/office/drawing/2014/main" id="{42AB83BC-D363-4909-AA32-7850C2E02DF2}"/>
+              </a:ext>
+            </a:extLst>
+          </p:cNvPr>
+          <p:cNvPicPr>
+            <a:picLocks noChangeAspect="1"/>
+          </p:cNvPicPr>
+          <p:nvPr/>
+        </p:nvPicPr>
+        <p:blipFill>
+          <a:blip r:embed="rId2"/>
+          <a:stretch>
+            <a:fillRect/>
+          </a:stretch>
+        </p:blipFill>
+        <p:spPr>
+          <a:xfrm>
+            <a:off x="853151" y="1634010"/>
+            <a:ext cx="4983014" cy="3814054"/>
+          </a:xfrm>
+          <a:prstGeom prst="rect">
+            <a:avLst/>
+          </a:prstGeom>
+        </p:spPr>
+      </p:pic>
+      <p:pic>
+        <p:nvPicPr>
+          <p:cNvPr id="10" name="Imagem 9">
+            <a:extLst>
+              <a:ext uri="{FF2B5EF4-FFF2-40B4-BE49-F238E27FC236}">
+                <a16:creationId xmlns:a16="http://schemas.microsoft.com/office/drawing/2014/main" id="{22BF4D1A-56D9-4E4D-A65C-FE26FCCD5772}"/>
+              </a:ext>
+            </a:extLst>
+          </p:cNvPr>
+          <p:cNvPicPr>
+            <a:picLocks noChangeAspect="1"/>
+          </p:cNvPicPr>
+          <p:nvPr/>
+        </p:nvPicPr>
+        <p:blipFill>
+          <a:blip r:embed="rId3"/>
+          <a:stretch>
+            <a:fillRect/>
+          </a:stretch>
+        </p:blipFill>
+        <p:spPr>
+          <a:xfrm>
+            <a:off x="6355837" y="2122415"/>
+            <a:ext cx="5402620" cy="2880467"/>
+          </a:xfrm>
+          <a:prstGeom prst="rect">
+            <a:avLst/>
+          </a:prstGeom>
+        </p:spPr>
+      </p:pic>
+    </p:spTree>
+    <p:extLst>
+      <p:ext uri="{BB962C8B-B14F-4D97-AF65-F5344CB8AC3E}">
+        <p14:creationId xmlns:p14="http://schemas.microsoft.com/office/powerpoint/2010/main" val="870368914"/>
+      </p:ext>
+    </p:extLst>
+  </p:cSld>
+  <p:clrMapOvr>
+    <a:masterClrMapping/>
+  </p:clrMapOvr>
+</p:sld>
+</file>
+
+<file path=ppt/slides/slide9.xml><?xml version="1.0" encoding="utf-8"?>
+<p:sld xmlns:a="http://schemas.openxmlformats.org/drawingml/2006/main" xmlns:r="http://schemas.openxmlformats.org/officeDocument/2006/relationships" xmlns:p="http://schemas.openxmlformats.org/presentationml/2006/main">
+  <p:cSld>
+    <p:spTree>
+      <p:nvGrpSpPr>
+        <p:cNvPr id="1" name=""/>
+        <p:cNvGrpSpPr/>
+        <p:nvPr/>
+      </p:nvGrpSpPr>
+      <p:grpSpPr>
+        <a:xfrm>
+          <a:off x="0" y="0"/>
+          <a:ext cx="0" cy="0"/>
+          <a:chOff x="0" y="0"/>
+          <a:chExt cx="0" cy="0"/>
+        </a:xfrm>
+      </p:grpSpPr>
+      <p:pic>
+        <p:nvPicPr>
+          <p:cNvPr id="5" name="Imagem 4">
+            <a:extLst>
+              <a:ext uri="{FF2B5EF4-FFF2-40B4-BE49-F238E27FC236}">
+                <a16:creationId xmlns:a16="http://schemas.microsoft.com/office/drawing/2014/main" id="{E62CC049-E4AA-488D-AC92-9655B9585594}"/>
+              </a:ext>
+            </a:extLst>
+          </p:cNvPr>
+          <p:cNvPicPr>
+            <a:picLocks noChangeAspect="1"/>
+          </p:cNvPicPr>
+          <p:nvPr/>
+        </p:nvPicPr>
+        <p:blipFill>
+          <a:blip r:embed="rId2"/>
+          <a:stretch>
+            <a:fillRect/>
+          </a:stretch>
+        </p:blipFill>
+        <p:spPr>
+          <a:xfrm>
+            <a:off x="2558641" y="1026914"/>
+            <a:ext cx="6525595" cy="5612972"/>
+          </a:xfrm>
+          <a:prstGeom prst="rect">
+            <a:avLst/>
+          </a:prstGeom>
+        </p:spPr>
+      </p:pic>
+      <p:sp>
+        <p:nvSpPr>
+          <p:cNvPr id="6" name="CaixaDeTexto 5">
+            <a:extLst>
+              <a:ext uri="{FF2B5EF4-FFF2-40B4-BE49-F238E27FC236}">
+                <a16:creationId xmlns:a16="http://schemas.microsoft.com/office/drawing/2014/main" id="{BBF819F2-4091-49B3-8B9C-DE87542976A7}"/>
+              </a:ext>
+            </a:extLst>
+          </p:cNvPr>
+          <p:cNvSpPr txBox="1"/>
+          <p:nvPr/>
+        </p:nvSpPr>
+        <p:spPr>
+          <a:xfrm>
+            <a:off x="2306972" y="218114"/>
+            <a:ext cx="7578056" cy="923330"/>
+          </a:xfrm>
+          <a:prstGeom prst="rect">
+            <a:avLst/>
+          </a:prstGeom>
+          <a:noFill/>
+        </p:spPr>
+        <p:txBody>
+          <a:bodyPr wrap="square" rtlCol="0">
+            <a:spAutoFit/>
+          </a:bodyPr>
+          <a:lstStyle/>
+          <a:p>
+            <a:r>
+              <a:rPr lang="pt-BR" b="1" dirty="0">
+                <a:solidFill>
+                  <a:srgbClr val="FF0000"/>
+                </a:solidFill>
+              </a:rPr>
+              <a:t>Funcionalidade para update dos dados registrados nas cripto moedas inseridas pelo usuário logado</a:t>
+            </a:r>
+          </a:p>
+          <a:p>
+            <a:endParaRPr lang="pt-BR" b="1" dirty="0">
+              <a:solidFill>
+                <a:srgbClr val="FF0000"/>
+              </a:solidFill>
+            </a:endParaRPr>
+          </a:p>
+        </p:txBody>
+      </p:sp>
+    </p:spTree>
+    <p:extLst>
+      <p:ext uri="{BB962C8B-B14F-4D97-AF65-F5344CB8AC3E}">
+        <p14:creationId xmlns:p14="http://schemas.microsoft.com/office/powerpoint/2010/main" val="3836577619"/>
       </p:ext>
     </p:extLst>
   </p:cSld>
